--- a/docs/images/models_overview.pptx
+++ b/docs/images/models_overview.pptx
@@ -2,12 +2,12 @@
 <file path=ppt/presentation.xml><?xml version="1.0" encoding="utf-8"?>
 <p:presentation xmlns:a="http://schemas.openxmlformats.org/drawingml/2006/main" xmlns:r="http://schemas.openxmlformats.org/officeDocument/2006/relationships" xmlns:p="http://schemas.openxmlformats.org/presentationml/2006/main" saveSubsetFonts="1">
   <p:sldMasterIdLst>
-    <p:sldMasterId id="2147483660" r:id="rId1"/>
+    <p:sldMasterId id="2147483672" r:id="rId1"/>
   </p:sldMasterIdLst>
   <p:sldIdLst>
     <p:sldId id="256" r:id="rId2"/>
   </p:sldIdLst>
-  <p:sldSz cx="7199313" cy="2760663"/>
+  <p:sldSz cx="7199313" cy="2135188"/>
   <p:notesSz cx="6858000" cy="9144000"/>
   <p:defaultTextStyle>
     <a:defPPr>
@@ -104,6 +104,11 @@
       </a:defRPr>
     </a:lvl9pPr>
   </p:defaultTextStyle>
+  <p:extLst>
+    <p:ext uri="{EFAFB233-063F-42B5-8137-9DF3F51BA10A}">
+      <p15:sldGuideLst xmlns:p15="http://schemas.microsoft.com/office/powerpoint/2012/main"/>
+    </p:ext>
+  </p:extLst>
 </p:presentation>
 </file>
 
@@ -136,15 +141,15 @@
         </p:nvSpPr>
         <p:spPr>
           <a:xfrm>
-            <a:off x="899914" y="451803"/>
-            <a:ext cx="5399485" cy="961120"/>
+            <a:off x="899914" y="349439"/>
+            <a:ext cx="5399485" cy="743362"/>
           </a:xfrm>
         </p:spPr>
         <p:txBody>
           <a:bodyPr anchor="b"/>
           <a:lstStyle>
             <a:lvl1pPr algn="ctr">
-              <a:defRPr sz="2415"/>
+              <a:defRPr sz="1868"/>
             </a:lvl1pPr>
           </a:lstStyle>
           <a:p>
@@ -168,8 +173,8 @@
         </p:nvSpPr>
         <p:spPr>
           <a:xfrm>
-            <a:off x="899914" y="1449987"/>
-            <a:ext cx="5399485" cy="666521"/>
+            <a:off x="899914" y="1121468"/>
+            <a:ext cx="5399485" cy="515509"/>
           </a:xfrm>
         </p:spPr>
         <p:txBody>
@@ -177,39 +182,39 @@
           <a:lstStyle>
             <a:lvl1pPr marL="0" indent="0" algn="ctr">
               <a:buNone/>
-              <a:defRPr sz="966"/>
+              <a:defRPr sz="747"/>
             </a:lvl1pPr>
-            <a:lvl2pPr marL="184023" indent="0" algn="ctr">
-              <a:buNone/>
-              <a:defRPr sz="805"/>
+            <a:lvl2pPr marL="142326" indent="0" algn="ctr">
+              <a:buNone/>
+              <a:defRPr sz="623"/>
             </a:lvl2pPr>
-            <a:lvl3pPr marL="368046" indent="0" algn="ctr">
-              <a:buNone/>
-              <a:defRPr sz="725"/>
+            <a:lvl3pPr marL="284653" indent="0" algn="ctr">
+              <a:buNone/>
+              <a:defRPr sz="560"/>
             </a:lvl3pPr>
-            <a:lvl4pPr marL="552069" indent="0" algn="ctr">
-              <a:buNone/>
-              <a:defRPr sz="644"/>
+            <a:lvl4pPr marL="426979" indent="0" algn="ctr">
+              <a:buNone/>
+              <a:defRPr sz="498"/>
             </a:lvl4pPr>
-            <a:lvl5pPr marL="736092" indent="0" algn="ctr">
-              <a:buNone/>
-              <a:defRPr sz="644"/>
+            <a:lvl5pPr marL="569305" indent="0" algn="ctr">
+              <a:buNone/>
+              <a:defRPr sz="498"/>
             </a:lvl5pPr>
-            <a:lvl6pPr marL="920115" indent="0" algn="ctr">
-              <a:buNone/>
-              <a:defRPr sz="644"/>
+            <a:lvl6pPr marL="711632" indent="0" algn="ctr">
+              <a:buNone/>
+              <a:defRPr sz="498"/>
             </a:lvl6pPr>
-            <a:lvl7pPr marL="1104138" indent="0" algn="ctr">
-              <a:buNone/>
-              <a:defRPr sz="644"/>
+            <a:lvl7pPr marL="853958" indent="0" algn="ctr">
+              <a:buNone/>
+              <a:defRPr sz="498"/>
             </a:lvl7pPr>
-            <a:lvl8pPr marL="1288161" indent="0" algn="ctr">
-              <a:buNone/>
-              <a:defRPr sz="644"/>
+            <a:lvl8pPr marL="996285" indent="0" algn="ctr">
+              <a:buNone/>
+              <a:defRPr sz="498"/>
             </a:lvl8pPr>
-            <a:lvl9pPr marL="1472184" indent="0" algn="ctr">
-              <a:buNone/>
-              <a:defRPr sz="644"/>
+            <a:lvl9pPr marL="1138611" indent="0" algn="ctr">
+              <a:buNone/>
+              <a:defRPr sz="498"/>
             </a:lvl9pPr>
           </a:lstStyle>
           <a:p>
@@ -289,7 +294,7 @@
     </p:spTree>
     <p:extLst>
       <p:ext uri="{BB962C8B-B14F-4D97-AF65-F5344CB8AC3E}">
-        <p14:creationId xmlns:p14="http://schemas.microsoft.com/office/powerpoint/2010/main" val="3076827183"/>
+        <p14:creationId xmlns:p14="http://schemas.microsoft.com/office/powerpoint/2010/main" val="855197300"/>
       </p:ext>
     </p:extLst>
   </p:cSld>
@@ -459,7 +464,7 @@
     </p:spTree>
     <p:extLst>
       <p:ext uri="{BB962C8B-B14F-4D97-AF65-F5344CB8AC3E}">
-        <p14:creationId xmlns:p14="http://schemas.microsoft.com/office/powerpoint/2010/main" val="2139021308"/>
+        <p14:creationId xmlns:p14="http://schemas.microsoft.com/office/powerpoint/2010/main" val="2663795041"/>
       </p:ext>
     </p:extLst>
   </p:cSld>
@@ -498,8 +503,8 @@
         </p:nvSpPr>
         <p:spPr>
           <a:xfrm>
-            <a:off x="5152008" y="146980"/>
-            <a:ext cx="1552352" cy="2339534"/>
+            <a:off x="5152008" y="113679"/>
+            <a:ext cx="1552352" cy="1809473"/>
           </a:xfrm>
         </p:spPr>
         <p:txBody>
@@ -526,8 +531,8 @@
         </p:nvSpPr>
         <p:spPr>
           <a:xfrm>
-            <a:off x="494953" y="146980"/>
-            <a:ext cx="4567064" cy="2339534"/>
+            <a:off x="494953" y="113679"/>
+            <a:ext cx="4567064" cy="1809473"/>
           </a:xfrm>
         </p:spPr>
         <p:txBody>
@@ -639,7 +644,7 @@
     </p:spTree>
     <p:extLst>
       <p:ext uri="{BB962C8B-B14F-4D97-AF65-F5344CB8AC3E}">
-        <p14:creationId xmlns:p14="http://schemas.microsoft.com/office/powerpoint/2010/main" val="2085432978"/>
+        <p14:creationId xmlns:p14="http://schemas.microsoft.com/office/powerpoint/2010/main" val="3002673305"/>
       </p:ext>
     </p:extLst>
   </p:cSld>
@@ -809,7 +814,7 @@
     </p:spTree>
     <p:extLst>
       <p:ext uri="{BB962C8B-B14F-4D97-AF65-F5344CB8AC3E}">
-        <p14:creationId xmlns:p14="http://schemas.microsoft.com/office/powerpoint/2010/main" val="2597481552"/>
+        <p14:creationId xmlns:p14="http://schemas.microsoft.com/office/powerpoint/2010/main" val="222062906"/>
       </p:ext>
     </p:extLst>
   </p:cSld>
@@ -848,15 +853,15 @@
         </p:nvSpPr>
         <p:spPr>
           <a:xfrm>
-            <a:off x="491203" y="688249"/>
-            <a:ext cx="6209407" cy="1148359"/>
+            <a:off x="491203" y="532314"/>
+            <a:ext cx="6209407" cy="888179"/>
           </a:xfrm>
         </p:spPr>
         <p:txBody>
           <a:bodyPr anchor="b"/>
           <a:lstStyle>
             <a:lvl1pPr>
-              <a:defRPr sz="2415"/>
+              <a:defRPr sz="1868"/>
             </a:lvl1pPr>
           </a:lstStyle>
           <a:p>
@@ -880,8 +885,8 @@
         </p:nvSpPr>
         <p:spPr>
           <a:xfrm>
-            <a:off x="491203" y="1847472"/>
-            <a:ext cx="6209407" cy="603895"/>
+            <a:off x="491203" y="1428896"/>
+            <a:ext cx="6209407" cy="467072"/>
           </a:xfrm>
         </p:spPr>
         <p:txBody>
@@ -889,7 +894,7 @@
           <a:lstStyle>
             <a:lvl1pPr marL="0" indent="0">
               <a:buNone/>
-              <a:defRPr sz="966">
+              <a:defRPr sz="747">
                 <a:solidFill>
                   <a:schemeClr val="tx1">
                     <a:tint val="75000"/>
@@ -897,9 +902,9 @@
                 </a:solidFill>
               </a:defRPr>
             </a:lvl1pPr>
-            <a:lvl2pPr marL="184023" indent="0">
-              <a:buNone/>
-              <a:defRPr sz="805">
+            <a:lvl2pPr marL="142326" indent="0">
+              <a:buNone/>
+              <a:defRPr sz="623">
                 <a:solidFill>
                   <a:schemeClr val="tx1">
                     <a:tint val="75000"/>
@@ -907,9 +912,9 @@
                 </a:solidFill>
               </a:defRPr>
             </a:lvl2pPr>
-            <a:lvl3pPr marL="368046" indent="0">
-              <a:buNone/>
-              <a:defRPr sz="725">
+            <a:lvl3pPr marL="284653" indent="0">
+              <a:buNone/>
+              <a:defRPr sz="560">
                 <a:solidFill>
                   <a:schemeClr val="tx1">
                     <a:tint val="75000"/>
@@ -917,9 +922,9 @@
                 </a:solidFill>
               </a:defRPr>
             </a:lvl3pPr>
-            <a:lvl4pPr marL="552069" indent="0">
-              <a:buNone/>
-              <a:defRPr sz="644">
+            <a:lvl4pPr marL="426979" indent="0">
+              <a:buNone/>
+              <a:defRPr sz="498">
                 <a:solidFill>
                   <a:schemeClr val="tx1">
                     <a:tint val="75000"/>
@@ -927,9 +932,9 @@
                 </a:solidFill>
               </a:defRPr>
             </a:lvl4pPr>
-            <a:lvl5pPr marL="736092" indent="0">
-              <a:buNone/>
-              <a:defRPr sz="644">
+            <a:lvl5pPr marL="569305" indent="0">
+              <a:buNone/>
+              <a:defRPr sz="498">
                 <a:solidFill>
                   <a:schemeClr val="tx1">
                     <a:tint val="75000"/>
@@ -937,9 +942,9 @@
                 </a:solidFill>
               </a:defRPr>
             </a:lvl5pPr>
-            <a:lvl6pPr marL="920115" indent="0">
-              <a:buNone/>
-              <a:defRPr sz="644">
+            <a:lvl6pPr marL="711632" indent="0">
+              <a:buNone/>
+              <a:defRPr sz="498">
                 <a:solidFill>
                   <a:schemeClr val="tx1">
                     <a:tint val="75000"/>
@@ -947,9 +952,9 @@
                 </a:solidFill>
               </a:defRPr>
             </a:lvl6pPr>
-            <a:lvl7pPr marL="1104138" indent="0">
-              <a:buNone/>
-              <a:defRPr sz="644">
+            <a:lvl7pPr marL="853958" indent="0">
+              <a:buNone/>
+              <a:defRPr sz="498">
                 <a:solidFill>
                   <a:schemeClr val="tx1">
                     <a:tint val="75000"/>
@@ -957,9 +962,9 @@
                 </a:solidFill>
               </a:defRPr>
             </a:lvl7pPr>
-            <a:lvl8pPr marL="1288161" indent="0">
-              <a:buNone/>
-              <a:defRPr sz="644">
+            <a:lvl8pPr marL="996285" indent="0">
+              <a:buNone/>
+              <a:defRPr sz="498">
                 <a:solidFill>
                   <a:schemeClr val="tx1">
                     <a:tint val="75000"/>
@@ -967,9 +972,9 @@
                 </a:solidFill>
               </a:defRPr>
             </a:lvl8pPr>
-            <a:lvl9pPr marL="1472184" indent="0">
-              <a:buNone/>
-              <a:defRPr sz="644">
+            <a:lvl9pPr marL="1138611" indent="0">
+              <a:buNone/>
+              <a:defRPr sz="498">
                 <a:solidFill>
                   <a:schemeClr val="tx1">
                     <a:tint val="75000"/>
@@ -1055,7 +1060,7 @@
     </p:spTree>
     <p:extLst>
       <p:ext uri="{BB962C8B-B14F-4D97-AF65-F5344CB8AC3E}">
-        <p14:creationId xmlns:p14="http://schemas.microsoft.com/office/powerpoint/2010/main" val="3395461489"/>
+        <p14:creationId xmlns:p14="http://schemas.microsoft.com/office/powerpoint/2010/main" val="3166405464"/>
       </p:ext>
     </p:extLst>
   </p:cSld>
@@ -1117,8 +1122,8 @@
         </p:nvSpPr>
         <p:spPr>
           <a:xfrm>
-            <a:off x="494953" y="734899"/>
-            <a:ext cx="3059708" cy="1751615"/>
+            <a:off x="494953" y="568395"/>
+            <a:ext cx="3059708" cy="1354757"/>
           </a:xfrm>
         </p:spPr>
         <p:txBody>
@@ -1174,8 +1179,8 @@
         </p:nvSpPr>
         <p:spPr>
           <a:xfrm>
-            <a:off x="3644652" y="734899"/>
-            <a:ext cx="3059708" cy="1751615"/>
+            <a:off x="3644652" y="568395"/>
+            <a:ext cx="3059708" cy="1354757"/>
           </a:xfrm>
         </p:spPr>
         <p:txBody>
@@ -1287,7 +1292,7 @@
     </p:spTree>
     <p:extLst>
       <p:ext uri="{BB962C8B-B14F-4D97-AF65-F5344CB8AC3E}">
-        <p14:creationId xmlns:p14="http://schemas.microsoft.com/office/powerpoint/2010/main" val="567552286"/>
+        <p14:creationId xmlns:p14="http://schemas.microsoft.com/office/powerpoint/2010/main" val="3593749793"/>
       </p:ext>
     </p:extLst>
   </p:cSld>
@@ -1326,8 +1331,8 @@
         </p:nvSpPr>
         <p:spPr>
           <a:xfrm>
-            <a:off x="495891" y="146980"/>
-            <a:ext cx="6209407" cy="533601"/>
+            <a:off x="495891" y="113679"/>
+            <a:ext cx="6209407" cy="412704"/>
           </a:xfrm>
         </p:spPr>
         <p:txBody>
@@ -1354,8 +1359,8 @@
         </p:nvSpPr>
         <p:spPr>
           <a:xfrm>
-            <a:off x="495891" y="676746"/>
-            <a:ext cx="3045647" cy="331663"/>
+            <a:off x="495891" y="523418"/>
+            <a:ext cx="3045647" cy="256519"/>
           </a:xfrm>
         </p:spPr>
         <p:txBody>
@@ -1363,39 +1368,39 @@
           <a:lstStyle>
             <a:lvl1pPr marL="0" indent="0">
               <a:buNone/>
-              <a:defRPr sz="966" b="1"/>
+              <a:defRPr sz="747" b="1"/>
             </a:lvl1pPr>
-            <a:lvl2pPr marL="184023" indent="0">
-              <a:buNone/>
-              <a:defRPr sz="805" b="1"/>
+            <a:lvl2pPr marL="142326" indent="0">
+              <a:buNone/>
+              <a:defRPr sz="623" b="1"/>
             </a:lvl2pPr>
-            <a:lvl3pPr marL="368046" indent="0">
-              <a:buNone/>
-              <a:defRPr sz="725" b="1"/>
+            <a:lvl3pPr marL="284653" indent="0">
+              <a:buNone/>
+              <a:defRPr sz="560" b="1"/>
             </a:lvl3pPr>
-            <a:lvl4pPr marL="552069" indent="0">
-              <a:buNone/>
-              <a:defRPr sz="644" b="1"/>
+            <a:lvl4pPr marL="426979" indent="0">
+              <a:buNone/>
+              <a:defRPr sz="498" b="1"/>
             </a:lvl4pPr>
-            <a:lvl5pPr marL="736092" indent="0">
-              <a:buNone/>
-              <a:defRPr sz="644" b="1"/>
+            <a:lvl5pPr marL="569305" indent="0">
+              <a:buNone/>
+              <a:defRPr sz="498" b="1"/>
             </a:lvl5pPr>
-            <a:lvl6pPr marL="920115" indent="0">
-              <a:buNone/>
-              <a:defRPr sz="644" b="1"/>
+            <a:lvl6pPr marL="711632" indent="0">
+              <a:buNone/>
+              <a:defRPr sz="498" b="1"/>
             </a:lvl6pPr>
-            <a:lvl7pPr marL="1104138" indent="0">
-              <a:buNone/>
-              <a:defRPr sz="644" b="1"/>
+            <a:lvl7pPr marL="853958" indent="0">
+              <a:buNone/>
+              <a:defRPr sz="498" b="1"/>
             </a:lvl7pPr>
-            <a:lvl8pPr marL="1288161" indent="0">
-              <a:buNone/>
-              <a:defRPr sz="644" b="1"/>
+            <a:lvl8pPr marL="996285" indent="0">
+              <a:buNone/>
+              <a:defRPr sz="498" b="1"/>
             </a:lvl8pPr>
-            <a:lvl9pPr marL="1472184" indent="0">
-              <a:buNone/>
-              <a:defRPr sz="644" b="1"/>
+            <a:lvl9pPr marL="1138611" indent="0">
+              <a:buNone/>
+              <a:defRPr sz="498" b="1"/>
             </a:lvl9pPr>
           </a:lstStyle>
           <a:p>
@@ -1419,8 +1424,8 @@
         </p:nvSpPr>
         <p:spPr>
           <a:xfrm>
-            <a:off x="495891" y="1008409"/>
-            <a:ext cx="3045647" cy="1483218"/>
+            <a:off x="495891" y="779937"/>
+            <a:ext cx="3045647" cy="1147169"/>
           </a:xfrm>
         </p:spPr>
         <p:txBody>
@@ -1476,8 +1481,8 @@
         </p:nvSpPr>
         <p:spPr>
           <a:xfrm>
-            <a:off x="3644652" y="676746"/>
-            <a:ext cx="3060646" cy="331663"/>
+            <a:off x="3644652" y="523418"/>
+            <a:ext cx="3060646" cy="256519"/>
           </a:xfrm>
         </p:spPr>
         <p:txBody>
@@ -1485,39 +1490,39 @@
           <a:lstStyle>
             <a:lvl1pPr marL="0" indent="0">
               <a:buNone/>
-              <a:defRPr sz="966" b="1"/>
+              <a:defRPr sz="747" b="1"/>
             </a:lvl1pPr>
-            <a:lvl2pPr marL="184023" indent="0">
-              <a:buNone/>
-              <a:defRPr sz="805" b="1"/>
+            <a:lvl2pPr marL="142326" indent="0">
+              <a:buNone/>
+              <a:defRPr sz="623" b="1"/>
             </a:lvl2pPr>
-            <a:lvl3pPr marL="368046" indent="0">
-              <a:buNone/>
-              <a:defRPr sz="725" b="1"/>
+            <a:lvl3pPr marL="284653" indent="0">
+              <a:buNone/>
+              <a:defRPr sz="560" b="1"/>
             </a:lvl3pPr>
-            <a:lvl4pPr marL="552069" indent="0">
-              <a:buNone/>
-              <a:defRPr sz="644" b="1"/>
+            <a:lvl4pPr marL="426979" indent="0">
+              <a:buNone/>
+              <a:defRPr sz="498" b="1"/>
             </a:lvl4pPr>
-            <a:lvl5pPr marL="736092" indent="0">
-              <a:buNone/>
-              <a:defRPr sz="644" b="1"/>
+            <a:lvl5pPr marL="569305" indent="0">
+              <a:buNone/>
+              <a:defRPr sz="498" b="1"/>
             </a:lvl5pPr>
-            <a:lvl6pPr marL="920115" indent="0">
-              <a:buNone/>
-              <a:defRPr sz="644" b="1"/>
+            <a:lvl6pPr marL="711632" indent="0">
+              <a:buNone/>
+              <a:defRPr sz="498" b="1"/>
             </a:lvl6pPr>
-            <a:lvl7pPr marL="1104138" indent="0">
-              <a:buNone/>
-              <a:defRPr sz="644" b="1"/>
+            <a:lvl7pPr marL="853958" indent="0">
+              <a:buNone/>
+              <a:defRPr sz="498" b="1"/>
             </a:lvl7pPr>
-            <a:lvl8pPr marL="1288161" indent="0">
-              <a:buNone/>
-              <a:defRPr sz="644" b="1"/>
+            <a:lvl8pPr marL="996285" indent="0">
+              <a:buNone/>
+              <a:defRPr sz="498" b="1"/>
             </a:lvl8pPr>
-            <a:lvl9pPr marL="1472184" indent="0">
-              <a:buNone/>
-              <a:defRPr sz="644" b="1"/>
+            <a:lvl9pPr marL="1138611" indent="0">
+              <a:buNone/>
+              <a:defRPr sz="498" b="1"/>
             </a:lvl9pPr>
           </a:lstStyle>
           <a:p>
@@ -1541,8 +1546,8 @@
         </p:nvSpPr>
         <p:spPr>
           <a:xfrm>
-            <a:off x="3644652" y="1008409"/>
-            <a:ext cx="3060646" cy="1483218"/>
+            <a:off x="3644652" y="779937"/>
+            <a:ext cx="3060646" cy="1147169"/>
           </a:xfrm>
         </p:spPr>
         <p:txBody>
@@ -1654,7 +1659,7 @@
     </p:spTree>
     <p:extLst>
       <p:ext uri="{BB962C8B-B14F-4D97-AF65-F5344CB8AC3E}">
-        <p14:creationId xmlns:p14="http://schemas.microsoft.com/office/powerpoint/2010/main" val="2379346506"/>
+        <p14:creationId xmlns:p14="http://schemas.microsoft.com/office/powerpoint/2010/main" val="1374249988"/>
       </p:ext>
     </p:extLst>
   </p:cSld>
@@ -1772,7 +1777,7 @@
     </p:spTree>
     <p:extLst>
       <p:ext uri="{BB962C8B-B14F-4D97-AF65-F5344CB8AC3E}">
-        <p14:creationId xmlns:p14="http://schemas.microsoft.com/office/powerpoint/2010/main" val="4170378826"/>
+        <p14:creationId xmlns:p14="http://schemas.microsoft.com/office/powerpoint/2010/main" val="2813855750"/>
       </p:ext>
     </p:extLst>
   </p:cSld>
@@ -1867,7 +1872,7 @@
     </p:spTree>
     <p:extLst>
       <p:ext uri="{BB962C8B-B14F-4D97-AF65-F5344CB8AC3E}">
-        <p14:creationId xmlns:p14="http://schemas.microsoft.com/office/powerpoint/2010/main" val="862959851"/>
+        <p14:creationId xmlns:p14="http://schemas.microsoft.com/office/powerpoint/2010/main" val="3716259827"/>
       </p:ext>
     </p:extLst>
   </p:cSld>
@@ -1906,15 +1911,15 @@
         </p:nvSpPr>
         <p:spPr>
           <a:xfrm>
-            <a:off x="495891" y="184044"/>
-            <a:ext cx="2321966" cy="644155"/>
+            <a:off x="495891" y="142346"/>
+            <a:ext cx="2321966" cy="498211"/>
           </a:xfrm>
         </p:spPr>
         <p:txBody>
           <a:bodyPr anchor="b"/>
           <a:lstStyle>
             <a:lvl1pPr>
-              <a:defRPr sz="1288"/>
+              <a:defRPr sz="996"/>
             </a:lvl1pPr>
           </a:lstStyle>
           <a:p>
@@ -1938,39 +1943,39 @@
         </p:nvSpPr>
         <p:spPr>
           <a:xfrm>
-            <a:off x="3060646" y="397485"/>
-            <a:ext cx="3644652" cy="1961860"/>
+            <a:off x="3060646" y="307428"/>
+            <a:ext cx="3644652" cy="1517367"/>
           </a:xfrm>
         </p:spPr>
         <p:txBody>
           <a:bodyPr/>
           <a:lstStyle>
             <a:lvl1pPr>
-              <a:defRPr sz="1288"/>
+              <a:defRPr sz="996"/>
             </a:lvl1pPr>
             <a:lvl2pPr>
-              <a:defRPr sz="1127"/>
+              <a:defRPr sz="872"/>
             </a:lvl2pPr>
             <a:lvl3pPr>
-              <a:defRPr sz="966"/>
+              <a:defRPr sz="747"/>
             </a:lvl3pPr>
             <a:lvl4pPr>
-              <a:defRPr sz="805"/>
+              <a:defRPr sz="623"/>
             </a:lvl4pPr>
             <a:lvl5pPr>
-              <a:defRPr sz="805"/>
+              <a:defRPr sz="623"/>
             </a:lvl5pPr>
             <a:lvl6pPr>
-              <a:defRPr sz="805"/>
+              <a:defRPr sz="623"/>
             </a:lvl6pPr>
             <a:lvl7pPr>
-              <a:defRPr sz="805"/>
+              <a:defRPr sz="623"/>
             </a:lvl7pPr>
             <a:lvl8pPr>
-              <a:defRPr sz="805"/>
+              <a:defRPr sz="623"/>
             </a:lvl8pPr>
             <a:lvl9pPr>
-              <a:defRPr sz="805"/>
+              <a:defRPr sz="623"/>
             </a:lvl9pPr>
           </a:lstStyle>
           <a:p>
@@ -2023,8 +2028,8 @@
         </p:nvSpPr>
         <p:spPr>
           <a:xfrm>
-            <a:off x="495891" y="828199"/>
-            <a:ext cx="2321966" cy="1534341"/>
+            <a:off x="495891" y="640556"/>
+            <a:ext cx="2321966" cy="1186710"/>
           </a:xfrm>
         </p:spPr>
         <p:txBody>
@@ -2032,39 +2037,39 @@
           <a:lstStyle>
             <a:lvl1pPr marL="0" indent="0">
               <a:buNone/>
-              <a:defRPr sz="644"/>
+              <a:defRPr sz="498"/>
             </a:lvl1pPr>
-            <a:lvl2pPr marL="184023" indent="0">
-              <a:buNone/>
-              <a:defRPr sz="564"/>
+            <a:lvl2pPr marL="142326" indent="0">
+              <a:buNone/>
+              <a:defRPr sz="436"/>
             </a:lvl2pPr>
-            <a:lvl3pPr marL="368046" indent="0">
-              <a:buNone/>
-              <a:defRPr sz="483"/>
+            <a:lvl3pPr marL="284653" indent="0">
+              <a:buNone/>
+              <a:defRPr sz="374"/>
             </a:lvl3pPr>
-            <a:lvl4pPr marL="552069" indent="0">
-              <a:buNone/>
-              <a:defRPr sz="403"/>
+            <a:lvl4pPr marL="426979" indent="0">
+              <a:buNone/>
+              <a:defRPr sz="311"/>
             </a:lvl4pPr>
-            <a:lvl5pPr marL="736092" indent="0">
-              <a:buNone/>
-              <a:defRPr sz="403"/>
+            <a:lvl5pPr marL="569305" indent="0">
+              <a:buNone/>
+              <a:defRPr sz="311"/>
             </a:lvl5pPr>
-            <a:lvl6pPr marL="920115" indent="0">
-              <a:buNone/>
-              <a:defRPr sz="403"/>
+            <a:lvl6pPr marL="711632" indent="0">
+              <a:buNone/>
+              <a:defRPr sz="311"/>
             </a:lvl6pPr>
-            <a:lvl7pPr marL="1104138" indent="0">
-              <a:buNone/>
-              <a:defRPr sz="403"/>
+            <a:lvl7pPr marL="853958" indent="0">
+              <a:buNone/>
+              <a:defRPr sz="311"/>
             </a:lvl7pPr>
-            <a:lvl8pPr marL="1288161" indent="0">
-              <a:buNone/>
-              <a:defRPr sz="403"/>
+            <a:lvl8pPr marL="996285" indent="0">
+              <a:buNone/>
+              <a:defRPr sz="311"/>
             </a:lvl8pPr>
-            <a:lvl9pPr marL="1472184" indent="0">
-              <a:buNone/>
-              <a:defRPr sz="403"/>
+            <a:lvl9pPr marL="1138611" indent="0">
+              <a:buNone/>
+              <a:defRPr sz="311"/>
             </a:lvl9pPr>
           </a:lstStyle>
           <a:p>
@@ -2144,7 +2149,7 @@
     </p:spTree>
     <p:extLst>
       <p:ext uri="{BB962C8B-B14F-4D97-AF65-F5344CB8AC3E}">
-        <p14:creationId xmlns:p14="http://schemas.microsoft.com/office/powerpoint/2010/main" val="3517657158"/>
+        <p14:creationId xmlns:p14="http://schemas.microsoft.com/office/powerpoint/2010/main" val="3907751981"/>
       </p:ext>
     </p:extLst>
   </p:cSld>
@@ -2183,15 +2188,15 @@
         </p:nvSpPr>
         <p:spPr>
           <a:xfrm>
-            <a:off x="495891" y="184044"/>
-            <a:ext cx="2321966" cy="644155"/>
+            <a:off x="495891" y="142346"/>
+            <a:ext cx="2321966" cy="498211"/>
           </a:xfrm>
         </p:spPr>
         <p:txBody>
           <a:bodyPr anchor="b"/>
           <a:lstStyle>
             <a:lvl1pPr>
-              <a:defRPr sz="1288"/>
+              <a:defRPr sz="996"/>
             </a:lvl1pPr>
           </a:lstStyle>
           <a:p>
@@ -2215,8 +2220,8 @@
         </p:nvSpPr>
         <p:spPr>
           <a:xfrm>
-            <a:off x="3060646" y="397485"/>
-            <a:ext cx="3644652" cy="1961860"/>
+            <a:off x="3060646" y="307428"/>
+            <a:ext cx="3644652" cy="1517367"/>
           </a:xfrm>
         </p:spPr>
         <p:txBody>
@@ -2224,39 +2229,39 @@
           <a:lstStyle>
             <a:lvl1pPr marL="0" indent="0">
               <a:buNone/>
-              <a:defRPr sz="1288"/>
+              <a:defRPr sz="996"/>
             </a:lvl1pPr>
-            <a:lvl2pPr marL="184023" indent="0">
-              <a:buNone/>
-              <a:defRPr sz="1127"/>
+            <a:lvl2pPr marL="142326" indent="0">
+              <a:buNone/>
+              <a:defRPr sz="872"/>
             </a:lvl2pPr>
-            <a:lvl3pPr marL="368046" indent="0">
-              <a:buNone/>
-              <a:defRPr sz="966"/>
+            <a:lvl3pPr marL="284653" indent="0">
+              <a:buNone/>
+              <a:defRPr sz="747"/>
             </a:lvl3pPr>
-            <a:lvl4pPr marL="552069" indent="0">
-              <a:buNone/>
-              <a:defRPr sz="805"/>
+            <a:lvl4pPr marL="426979" indent="0">
+              <a:buNone/>
+              <a:defRPr sz="623"/>
             </a:lvl4pPr>
-            <a:lvl5pPr marL="736092" indent="0">
-              <a:buNone/>
-              <a:defRPr sz="805"/>
+            <a:lvl5pPr marL="569305" indent="0">
+              <a:buNone/>
+              <a:defRPr sz="623"/>
             </a:lvl5pPr>
-            <a:lvl6pPr marL="920115" indent="0">
-              <a:buNone/>
-              <a:defRPr sz="805"/>
+            <a:lvl6pPr marL="711632" indent="0">
+              <a:buNone/>
+              <a:defRPr sz="623"/>
             </a:lvl6pPr>
-            <a:lvl7pPr marL="1104138" indent="0">
-              <a:buNone/>
-              <a:defRPr sz="805"/>
+            <a:lvl7pPr marL="853958" indent="0">
+              <a:buNone/>
+              <a:defRPr sz="623"/>
             </a:lvl7pPr>
-            <a:lvl8pPr marL="1288161" indent="0">
-              <a:buNone/>
-              <a:defRPr sz="805"/>
+            <a:lvl8pPr marL="996285" indent="0">
+              <a:buNone/>
+              <a:defRPr sz="623"/>
             </a:lvl8pPr>
-            <a:lvl9pPr marL="1472184" indent="0">
-              <a:buNone/>
-              <a:defRPr sz="805"/>
+            <a:lvl9pPr marL="1138611" indent="0">
+              <a:buNone/>
+              <a:defRPr sz="623"/>
             </a:lvl9pPr>
           </a:lstStyle>
           <a:p>
@@ -2280,8 +2285,8 @@
         </p:nvSpPr>
         <p:spPr>
           <a:xfrm>
-            <a:off x="495891" y="828199"/>
-            <a:ext cx="2321966" cy="1534341"/>
+            <a:off x="495891" y="640556"/>
+            <a:ext cx="2321966" cy="1186710"/>
           </a:xfrm>
         </p:spPr>
         <p:txBody>
@@ -2289,39 +2294,39 @@
           <a:lstStyle>
             <a:lvl1pPr marL="0" indent="0">
               <a:buNone/>
-              <a:defRPr sz="644"/>
+              <a:defRPr sz="498"/>
             </a:lvl1pPr>
-            <a:lvl2pPr marL="184023" indent="0">
-              <a:buNone/>
-              <a:defRPr sz="564"/>
+            <a:lvl2pPr marL="142326" indent="0">
+              <a:buNone/>
+              <a:defRPr sz="436"/>
             </a:lvl2pPr>
-            <a:lvl3pPr marL="368046" indent="0">
-              <a:buNone/>
-              <a:defRPr sz="483"/>
+            <a:lvl3pPr marL="284653" indent="0">
+              <a:buNone/>
+              <a:defRPr sz="374"/>
             </a:lvl3pPr>
-            <a:lvl4pPr marL="552069" indent="0">
-              <a:buNone/>
-              <a:defRPr sz="403"/>
+            <a:lvl4pPr marL="426979" indent="0">
+              <a:buNone/>
+              <a:defRPr sz="311"/>
             </a:lvl4pPr>
-            <a:lvl5pPr marL="736092" indent="0">
-              <a:buNone/>
-              <a:defRPr sz="403"/>
+            <a:lvl5pPr marL="569305" indent="0">
+              <a:buNone/>
+              <a:defRPr sz="311"/>
             </a:lvl5pPr>
-            <a:lvl6pPr marL="920115" indent="0">
-              <a:buNone/>
-              <a:defRPr sz="403"/>
+            <a:lvl6pPr marL="711632" indent="0">
+              <a:buNone/>
+              <a:defRPr sz="311"/>
             </a:lvl6pPr>
-            <a:lvl7pPr marL="1104138" indent="0">
-              <a:buNone/>
-              <a:defRPr sz="403"/>
+            <a:lvl7pPr marL="853958" indent="0">
+              <a:buNone/>
+              <a:defRPr sz="311"/>
             </a:lvl7pPr>
-            <a:lvl8pPr marL="1288161" indent="0">
-              <a:buNone/>
-              <a:defRPr sz="403"/>
+            <a:lvl8pPr marL="996285" indent="0">
+              <a:buNone/>
+              <a:defRPr sz="311"/>
             </a:lvl8pPr>
-            <a:lvl9pPr marL="1472184" indent="0">
-              <a:buNone/>
-              <a:defRPr sz="403"/>
+            <a:lvl9pPr marL="1138611" indent="0">
+              <a:buNone/>
+              <a:defRPr sz="311"/>
             </a:lvl9pPr>
           </a:lstStyle>
           <a:p>
@@ -2401,7 +2406,7 @@
     </p:spTree>
     <p:extLst>
       <p:ext uri="{BB962C8B-B14F-4D97-AF65-F5344CB8AC3E}">
-        <p14:creationId xmlns:p14="http://schemas.microsoft.com/office/powerpoint/2010/main" val="4287617840"/>
+        <p14:creationId xmlns:p14="http://schemas.microsoft.com/office/powerpoint/2010/main" val="2856346895"/>
       </p:ext>
     </p:extLst>
   </p:cSld>
@@ -2445,8 +2450,8 @@
         </p:nvSpPr>
         <p:spPr>
           <a:xfrm>
-            <a:off x="494953" y="146980"/>
-            <a:ext cx="6209407" cy="533601"/>
+            <a:off x="494953" y="113679"/>
+            <a:ext cx="6209407" cy="412704"/>
           </a:xfrm>
           <a:prstGeom prst="rect">
             <a:avLst/>
@@ -2478,8 +2483,8 @@
         </p:nvSpPr>
         <p:spPr>
           <a:xfrm>
-            <a:off x="494953" y="734899"/>
-            <a:ext cx="6209407" cy="1751615"/>
+            <a:off x="494953" y="568395"/>
+            <a:ext cx="6209407" cy="1354757"/>
           </a:xfrm>
           <a:prstGeom prst="rect">
             <a:avLst/>
@@ -2540,8 +2545,8 @@
         </p:nvSpPr>
         <p:spPr>
           <a:xfrm>
-            <a:off x="494953" y="2558726"/>
-            <a:ext cx="1619845" cy="146980"/>
+            <a:off x="494953" y="1979003"/>
+            <a:ext cx="1619845" cy="113679"/>
           </a:xfrm>
           <a:prstGeom prst="rect">
             <a:avLst/>
@@ -2551,7 +2556,7 @@
           <a:bodyPr vert="horz" lIns="91440" tIns="45720" rIns="91440" bIns="45720" rtlCol="0" anchor="ctr"/>
           <a:lstStyle>
             <a:lvl1pPr algn="l">
-              <a:defRPr sz="483">
+              <a:defRPr sz="374">
                 <a:solidFill>
                   <a:schemeClr val="tx1">
                     <a:tint val="75000"/>
@@ -2581,8 +2586,8 @@
         </p:nvSpPr>
         <p:spPr>
           <a:xfrm>
-            <a:off x="2384773" y="2558726"/>
-            <a:ext cx="2429768" cy="146980"/>
+            <a:off x="2384773" y="1979003"/>
+            <a:ext cx="2429768" cy="113679"/>
           </a:xfrm>
           <a:prstGeom prst="rect">
             <a:avLst/>
@@ -2592,7 +2597,7 @@
           <a:bodyPr vert="horz" lIns="91440" tIns="45720" rIns="91440" bIns="45720" rtlCol="0" anchor="ctr"/>
           <a:lstStyle>
             <a:lvl1pPr algn="ctr">
-              <a:defRPr sz="483">
+              <a:defRPr sz="374">
                 <a:solidFill>
                   <a:schemeClr val="tx1">
                     <a:tint val="75000"/>
@@ -2618,8 +2623,8 @@
         </p:nvSpPr>
         <p:spPr>
           <a:xfrm>
-            <a:off x="5084515" y="2558726"/>
-            <a:ext cx="1619845" cy="146980"/>
+            <a:off x="5084515" y="1979003"/>
+            <a:ext cx="1619845" cy="113679"/>
           </a:xfrm>
           <a:prstGeom prst="rect">
             <a:avLst/>
@@ -2629,7 +2634,7 @@
           <a:bodyPr vert="horz" lIns="91440" tIns="45720" rIns="91440" bIns="45720" rtlCol="0" anchor="ctr"/>
           <a:lstStyle>
             <a:lvl1pPr algn="r">
-              <a:defRPr sz="483">
+              <a:defRPr sz="374">
                 <a:solidFill>
                   <a:schemeClr val="tx1">
                     <a:tint val="75000"/>
@@ -2650,27 +2655,27 @@
     </p:spTree>
     <p:extLst>
       <p:ext uri="{BB962C8B-B14F-4D97-AF65-F5344CB8AC3E}">
-        <p14:creationId xmlns:p14="http://schemas.microsoft.com/office/powerpoint/2010/main" val="1032504254"/>
+        <p14:creationId xmlns:p14="http://schemas.microsoft.com/office/powerpoint/2010/main" val="3552445650"/>
       </p:ext>
     </p:extLst>
   </p:cSld>
   <p:clrMap bg1="lt1" tx1="dk1" bg2="lt2" tx2="dk2" accent1="accent1" accent2="accent2" accent3="accent3" accent4="accent4" accent5="accent5" accent6="accent6" hlink="hlink" folHlink="folHlink"/>
   <p:sldLayoutIdLst>
-    <p:sldLayoutId id="2147483661" r:id="rId1"/>
-    <p:sldLayoutId id="2147483662" r:id="rId2"/>
-    <p:sldLayoutId id="2147483663" r:id="rId3"/>
-    <p:sldLayoutId id="2147483664" r:id="rId4"/>
-    <p:sldLayoutId id="2147483665" r:id="rId5"/>
-    <p:sldLayoutId id="2147483666" r:id="rId6"/>
-    <p:sldLayoutId id="2147483667" r:id="rId7"/>
-    <p:sldLayoutId id="2147483668" r:id="rId8"/>
-    <p:sldLayoutId id="2147483669" r:id="rId9"/>
-    <p:sldLayoutId id="2147483670" r:id="rId10"/>
-    <p:sldLayoutId id="2147483671" r:id="rId11"/>
+    <p:sldLayoutId id="2147483673" r:id="rId1"/>
+    <p:sldLayoutId id="2147483674" r:id="rId2"/>
+    <p:sldLayoutId id="2147483675" r:id="rId3"/>
+    <p:sldLayoutId id="2147483676" r:id="rId4"/>
+    <p:sldLayoutId id="2147483677" r:id="rId5"/>
+    <p:sldLayoutId id="2147483678" r:id="rId6"/>
+    <p:sldLayoutId id="2147483679" r:id="rId7"/>
+    <p:sldLayoutId id="2147483680" r:id="rId8"/>
+    <p:sldLayoutId id="2147483681" r:id="rId9"/>
+    <p:sldLayoutId id="2147483682" r:id="rId10"/>
+    <p:sldLayoutId id="2147483683" r:id="rId11"/>
   </p:sldLayoutIdLst>
   <p:txStyles>
     <p:titleStyle>
-      <a:lvl1pPr algn="l" defTabSz="368046" rtl="0" eaLnBrk="1" latinLnBrk="0" hangingPunct="1">
+      <a:lvl1pPr algn="l" defTabSz="284653" rtl="0" eaLnBrk="1" latinLnBrk="0" hangingPunct="1">
         <a:lnSpc>
           <a:spcPct val="90000"/>
         </a:lnSpc>
@@ -2678,7 +2683,7 @@
           <a:spcPct val="0"/>
         </a:spcBef>
         <a:buNone/>
-        <a:defRPr sz="1771" kern="1200">
+        <a:defRPr sz="1370" kern="1200">
           <a:solidFill>
             <a:schemeClr val="tx1"/>
           </a:solidFill>
@@ -2689,16 +2694,16 @@
       </a:lvl1pPr>
     </p:titleStyle>
     <p:bodyStyle>
-      <a:lvl1pPr marL="92012" indent="-92012" algn="l" defTabSz="368046" rtl="0" eaLnBrk="1" latinLnBrk="0" hangingPunct="1">
+      <a:lvl1pPr marL="71163" indent="-71163" algn="l" defTabSz="284653" rtl="0" eaLnBrk="1" latinLnBrk="0" hangingPunct="1">
         <a:lnSpc>
           <a:spcPct val="90000"/>
         </a:lnSpc>
         <a:spcBef>
-          <a:spcPts val="403"/>
+          <a:spcPts val="311"/>
         </a:spcBef>
         <a:buFont typeface="Arial" panose="020B0604020202020204" pitchFamily="34" charset="0"/>
         <a:buChar char="•"/>
-        <a:defRPr sz="1127" kern="1200">
+        <a:defRPr sz="872" kern="1200">
           <a:solidFill>
             <a:schemeClr val="tx1"/>
           </a:solidFill>
@@ -2707,16 +2712,16 @@
           <a:cs typeface="+mn-cs"/>
         </a:defRPr>
       </a:lvl1pPr>
-      <a:lvl2pPr marL="276035" indent="-92012" algn="l" defTabSz="368046" rtl="0" eaLnBrk="1" latinLnBrk="0" hangingPunct="1">
+      <a:lvl2pPr marL="213490" indent="-71163" algn="l" defTabSz="284653" rtl="0" eaLnBrk="1" latinLnBrk="0" hangingPunct="1">
         <a:lnSpc>
           <a:spcPct val="90000"/>
         </a:lnSpc>
         <a:spcBef>
-          <a:spcPts val="201"/>
+          <a:spcPts val="156"/>
         </a:spcBef>
         <a:buFont typeface="Arial" panose="020B0604020202020204" pitchFamily="34" charset="0"/>
         <a:buChar char="•"/>
-        <a:defRPr sz="966" kern="1200">
+        <a:defRPr sz="747" kern="1200">
           <a:solidFill>
             <a:schemeClr val="tx1"/>
           </a:solidFill>
@@ -2725,16 +2730,16 @@
           <a:cs typeface="+mn-cs"/>
         </a:defRPr>
       </a:lvl2pPr>
-      <a:lvl3pPr marL="460058" indent="-92012" algn="l" defTabSz="368046" rtl="0" eaLnBrk="1" latinLnBrk="0" hangingPunct="1">
+      <a:lvl3pPr marL="355816" indent="-71163" algn="l" defTabSz="284653" rtl="0" eaLnBrk="1" latinLnBrk="0" hangingPunct="1">
         <a:lnSpc>
           <a:spcPct val="90000"/>
         </a:lnSpc>
         <a:spcBef>
-          <a:spcPts val="201"/>
+          <a:spcPts val="156"/>
         </a:spcBef>
         <a:buFont typeface="Arial" panose="020B0604020202020204" pitchFamily="34" charset="0"/>
         <a:buChar char="•"/>
-        <a:defRPr sz="805" kern="1200">
+        <a:defRPr sz="623" kern="1200">
           <a:solidFill>
             <a:schemeClr val="tx1"/>
           </a:solidFill>
@@ -2743,16 +2748,16 @@
           <a:cs typeface="+mn-cs"/>
         </a:defRPr>
       </a:lvl3pPr>
-      <a:lvl4pPr marL="644081" indent="-92012" algn="l" defTabSz="368046" rtl="0" eaLnBrk="1" latinLnBrk="0" hangingPunct="1">
+      <a:lvl4pPr marL="498142" indent="-71163" algn="l" defTabSz="284653" rtl="0" eaLnBrk="1" latinLnBrk="0" hangingPunct="1">
         <a:lnSpc>
           <a:spcPct val="90000"/>
         </a:lnSpc>
         <a:spcBef>
-          <a:spcPts val="201"/>
+          <a:spcPts val="156"/>
         </a:spcBef>
         <a:buFont typeface="Arial" panose="020B0604020202020204" pitchFamily="34" charset="0"/>
         <a:buChar char="•"/>
-        <a:defRPr sz="725" kern="1200">
+        <a:defRPr sz="560" kern="1200">
           <a:solidFill>
             <a:schemeClr val="tx1"/>
           </a:solidFill>
@@ -2761,16 +2766,16 @@
           <a:cs typeface="+mn-cs"/>
         </a:defRPr>
       </a:lvl4pPr>
-      <a:lvl5pPr marL="828104" indent="-92012" algn="l" defTabSz="368046" rtl="0" eaLnBrk="1" latinLnBrk="0" hangingPunct="1">
+      <a:lvl5pPr marL="640469" indent="-71163" algn="l" defTabSz="284653" rtl="0" eaLnBrk="1" latinLnBrk="0" hangingPunct="1">
         <a:lnSpc>
           <a:spcPct val="90000"/>
         </a:lnSpc>
         <a:spcBef>
-          <a:spcPts val="201"/>
+          <a:spcPts val="156"/>
         </a:spcBef>
         <a:buFont typeface="Arial" panose="020B0604020202020204" pitchFamily="34" charset="0"/>
         <a:buChar char="•"/>
-        <a:defRPr sz="725" kern="1200">
+        <a:defRPr sz="560" kern="1200">
           <a:solidFill>
             <a:schemeClr val="tx1"/>
           </a:solidFill>
@@ -2779,16 +2784,16 @@
           <a:cs typeface="+mn-cs"/>
         </a:defRPr>
       </a:lvl5pPr>
-      <a:lvl6pPr marL="1012127" indent="-92012" algn="l" defTabSz="368046" rtl="0" eaLnBrk="1" latinLnBrk="0" hangingPunct="1">
+      <a:lvl6pPr marL="782795" indent="-71163" algn="l" defTabSz="284653" rtl="0" eaLnBrk="1" latinLnBrk="0" hangingPunct="1">
         <a:lnSpc>
           <a:spcPct val="90000"/>
         </a:lnSpc>
         <a:spcBef>
-          <a:spcPts val="201"/>
+          <a:spcPts val="156"/>
         </a:spcBef>
         <a:buFont typeface="Arial" panose="020B0604020202020204" pitchFamily="34" charset="0"/>
         <a:buChar char="•"/>
-        <a:defRPr sz="725" kern="1200">
+        <a:defRPr sz="560" kern="1200">
           <a:solidFill>
             <a:schemeClr val="tx1"/>
           </a:solidFill>
@@ -2797,16 +2802,16 @@
           <a:cs typeface="+mn-cs"/>
         </a:defRPr>
       </a:lvl6pPr>
-      <a:lvl7pPr marL="1196150" indent="-92012" algn="l" defTabSz="368046" rtl="0" eaLnBrk="1" latinLnBrk="0" hangingPunct="1">
+      <a:lvl7pPr marL="925121" indent="-71163" algn="l" defTabSz="284653" rtl="0" eaLnBrk="1" latinLnBrk="0" hangingPunct="1">
         <a:lnSpc>
           <a:spcPct val="90000"/>
         </a:lnSpc>
         <a:spcBef>
-          <a:spcPts val="201"/>
+          <a:spcPts val="156"/>
         </a:spcBef>
         <a:buFont typeface="Arial" panose="020B0604020202020204" pitchFamily="34" charset="0"/>
         <a:buChar char="•"/>
-        <a:defRPr sz="725" kern="1200">
+        <a:defRPr sz="560" kern="1200">
           <a:solidFill>
             <a:schemeClr val="tx1"/>
           </a:solidFill>
@@ -2815,16 +2820,16 @@
           <a:cs typeface="+mn-cs"/>
         </a:defRPr>
       </a:lvl7pPr>
-      <a:lvl8pPr marL="1380173" indent="-92012" algn="l" defTabSz="368046" rtl="0" eaLnBrk="1" latinLnBrk="0" hangingPunct="1">
+      <a:lvl8pPr marL="1067448" indent="-71163" algn="l" defTabSz="284653" rtl="0" eaLnBrk="1" latinLnBrk="0" hangingPunct="1">
         <a:lnSpc>
           <a:spcPct val="90000"/>
         </a:lnSpc>
         <a:spcBef>
-          <a:spcPts val="201"/>
+          <a:spcPts val="156"/>
         </a:spcBef>
         <a:buFont typeface="Arial" panose="020B0604020202020204" pitchFamily="34" charset="0"/>
         <a:buChar char="•"/>
-        <a:defRPr sz="725" kern="1200">
+        <a:defRPr sz="560" kern="1200">
           <a:solidFill>
             <a:schemeClr val="tx1"/>
           </a:solidFill>
@@ -2833,16 +2838,16 @@
           <a:cs typeface="+mn-cs"/>
         </a:defRPr>
       </a:lvl8pPr>
-      <a:lvl9pPr marL="1564196" indent="-92012" algn="l" defTabSz="368046" rtl="0" eaLnBrk="1" latinLnBrk="0" hangingPunct="1">
+      <a:lvl9pPr marL="1209774" indent="-71163" algn="l" defTabSz="284653" rtl="0" eaLnBrk="1" latinLnBrk="0" hangingPunct="1">
         <a:lnSpc>
           <a:spcPct val="90000"/>
         </a:lnSpc>
         <a:spcBef>
-          <a:spcPts val="201"/>
+          <a:spcPts val="156"/>
         </a:spcBef>
         <a:buFont typeface="Arial" panose="020B0604020202020204" pitchFamily="34" charset="0"/>
         <a:buChar char="•"/>
-        <a:defRPr sz="725" kern="1200">
+        <a:defRPr sz="560" kern="1200">
           <a:solidFill>
             <a:schemeClr val="tx1"/>
           </a:solidFill>
@@ -2856,8 +2861,8 @@
       <a:defPPr>
         <a:defRPr lang="en-US"/>
       </a:defPPr>
-      <a:lvl1pPr marL="0" algn="l" defTabSz="368046" rtl="0" eaLnBrk="1" latinLnBrk="0" hangingPunct="1">
-        <a:defRPr sz="725" kern="1200">
+      <a:lvl1pPr marL="0" algn="l" defTabSz="284653" rtl="0" eaLnBrk="1" latinLnBrk="0" hangingPunct="1">
+        <a:defRPr sz="560" kern="1200">
           <a:solidFill>
             <a:schemeClr val="tx1"/>
           </a:solidFill>
@@ -2866,8 +2871,8 @@
           <a:cs typeface="+mn-cs"/>
         </a:defRPr>
       </a:lvl1pPr>
-      <a:lvl2pPr marL="184023" algn="l" defTabSz="368046" rtl="0" eaLnBrk="1" latinLnBrk="0" hangingPunct="1">
-        <a:defRPr sz="725" kern="1200">
+      <a:lvl2pPr marL="142326" algn="l" defTabSz="284653" rtl="0" eaLnBrk="1" latinLnBrk="0" hangingPunct="1">
+        <a:defRPr sz="560" kern="1200">
           <a:solidFill>
             <a:schemeClr val="tx1"/>
           </a:solidFill>
@@ -2876,8 +2881,8 @@
           <a:cs typeface="+mn-cs"/>
         </a:defRPr>
       </a:lvl2pPr>
-      <a:lvl3pPr marL="368046" algn="l" defTabSz="368046" rtl="0" eaLnBrk="1" latinLnBrk="0" hangingPunct="1">
-        <a:defRPr sz="725" kern="1200">
+      <a:lvl3pPr marL="284653" algn="l" defTabSz="284653" rtl="0" eaLnBrk="1" latinLnBrk="0" hangingPunct="1">
+        <a:defRPr sz="560" kern="1200">
           <a:solidFill>
             <a:schemeClr val="tx1"/>
           </a:solidFill>
@@ -2886,8 +2891,8 @@
           <a:cs typeface="+mn-cs"/>
         </a:defRPr>
       </a:lvl3pPr>
-      <a:lvl4pPr marL="552069" algn="l" defTabSz="368046" rtl="0" eaLnBrk="1" latinLnBrk="0" hangingPunct="1">
-        <a:defRPr sz="725" kern="1200">
+      <a:lvl4pPr marL="426979" algn="l" defTabSz="284653" rtl="0" eaLnBrk="1" latinLnBrk="0" hangingPunct="1">
+        <a:defRPr sz="560" kern="1200">
           <a:solidFill>
             <a:schemeClr val="tx1"/>
           </a:solidFill>
@@ -2896,8 +2901,8 @@
           <a:cs typeface="+mn-cs"/>
         </a:defRPr>
       </a:lvl4pPr>
-      <a:lvl5pPr marL="736092" algn="l" defTabSz="368046" rtl="0" eaLnBrk="1" latinLnBrk="0" hangingPunct="1">
-        <a:defRPr sz="725" kern="1200">
+      <a:lvl5pPr marL="569305" algn="l" defTabSz="284653" rtl="0" eaLnBrk="1" latinLnBrk="0" hangingPunct="1">
+        <a:defRPr sz="560" kern="1200">
           <a:solidFill>
             <a:schemeClr val="tx1"/>
           </a:solidFill>
@@ -2906,8 +2911,8 @@
           <a:cs typeface="+mn-cs"/>
         </a:defRPr>
       </a:lvl5pPr>
-      <a:lvl6pPr marL="920115" algn="l" defTabSz="368046" rtl="0" eaLnBrk="1" latinLnBrk="0" hangingPunct="1">
-        <a:defRPr sz="725" kern="1200">
+      <a:lvl6pPr marL="711632" algn="l" defTabSz="284653" rtl="0" eaLnBrk="1" latinLnBrk="0" hangingPunct="1">
+        <a:defRPr sz="560" kern="1200">
           <a:solidFill>
             <a:schemeClr val="tx1"/>
           </a:solidFill>
@@ -2916,8 +2921,8 @@
           <a:cs typeface="+mn-cs"/>
         </a:defRPr>
       </a:lvl6pPr>
-      <a:lvl7pPr marL="1104138" algn="l" defTabSz="368046" rtl="0" eaLnBrk="1" latinLnBrk="0" hangingPunct="1">
-        <a:defRPr sz="725" kern="1200">
+      <a:lvl7pPr marL="853958" algn="l" defTabSz="284653" rtl="0" eaLnBrk="1" latinLnBrk="0" hangingPunct="1">
+        <a:defRPr sz="560" kern="1200">
           <a:solidFill>
             <a:schemeClr val="tx1"/>
           </a:solidFill>
@@ -2926,8 +2931,8 @@
           <a:cs typeface="+mn-cs"/>
         </a:defRPr>
       </a:lvl7pPr>
-      <a:lvl8pPr marL="1288161" algn="l" defTabSz="368046" rtl="0" eaLnBrk="1" latinLnBrk="0" hangingPunct="1">
-        <a:defRPr sz="725" kern="1200">
+      <a:lvl8pPr marL="996285" algn="l" defTabSz="284653" rtl="0" eaLnBrk="1" latinLnBrk="0" hangingPunct="1">
+        <a:defRPr sz="560" kern="1200">
           <a:solidFill>
             <a:schemeClr val="tx1"/>
           </a:solidFill>
@@ -2936,8 +2941,8 @@
           <a:cs typeface="+mn-cs"/>
         </a:defRPr>
       </a:lvl8pPr>
-      <a:lvl9pPr marL="1472184" algn="l" defTabSz="368046" rtl="0" eaLnBrk="1" latinLnBrk="0" hangingPunct="1">
-        <a:defRPr sz="725" kern="1200">
+      <a:lvl9pPr marL="1138611" algn="l" defTabSz="284653" rtl="0" eaLnBrk="1" latinLnBrk="0" hangingPunct="1">
+        <a:defRPr sz="560" kern="1200">
           <a:solidFill>
             <a:schemeClr val="tx1"/>
           </a:solidFill>
@@ -2983,9 +2988,9 @@
         <p:grpSpPr>
           <a:xfrm>
             <a:off x="-1503" y="0"/>
-            <a:ext cx="7200816" cy="2762120"/>
+            <a:ext cx="7200816" cy="2133208"/>
             <a:chOff x="1630904" y="1353553"/>
-            <a:chExt cx="7200816" cy="2762120"/>
+            <a:chExt cx="7200816" cy="2133208"/>
           </a:xfrm>
         </p:grpSpPr>
         <p:sp>
@@ -3681,132 +3686,6 @@
             </a:p>
           </p:txBody>
         </p:sp>
-        <p:sp>
-          <p:nvSpPr>
-            <p:cNvPr id="17" name="TextBox 16">
-              <a:extLst>
-                <a:ext uri="{FF2B5EF4-FFF2-40B4-BE49-F238E27FC236}">
-                  <a16:creationId xmlns:a16="http://schemas.microsoft.com/office/drawing/2014/main" id="{23C1BFF0-8899-B5CB-078C-0A5C4A53F71E}"/>
-                </a:ext>
-              </a:extLst>
-            </p:cNvPr>
-            <p:cNvSpPr txBox="1"/>
-            <p:nvPr/>
-          </p:nvSpPr>
-          <p:spPr>
-            <a:xfrm>
-              <a:off x="1630904" y="3487809"/>
-              <a:ext cx="7170553" cy="627864"/>
-            </a:xfrm>
-            <a:prstGeom prst="rect">
-              <a:avLst/>
-            </a:prstGeom>
-            <a:noFill/>
-          </p:spPr>
-          <p:txBody>
-            <a:bodyPr wrap="none" rtlCol="0">
-              <a:spAutoFit/>
-            </a:bodyPr>
-            <a:lstStyle/>
-            <a:p>
-              <a:r>
-                <a:rPr lang="en-GB" sz="580" baseline="30000" dirty="0"/>
-                <a:t>1</a:t>
-              </a:r>
-              <a:r>
-                <a:rPr lang="en-GB" sz="580" dirty="0">
-                  <a:solidFill>
-                    <a:srgbClr val="222222"/>
-                  </a:solidFill>
-                </a:rPr>
-                <a:t>Burek, Peter, et al. "Development of the Community Water Model (</a:t>
-              </a:r>
-              <a:r>
-                <a:rPr lang="en-GB" sz="580" dirty="0" err="1">
-                  <a:solidFill>
-                    <a:srgbClr val="222222"/>
-                  </a:solidFill>
-                </a:rPr>
-                <a:t>CWatM</a:t>
-              </a:r>
-              <a:r>
-                <a:rPr lang="en-GB" sz="580" dirty="0">
-                  <a:solidFill>
-                    <a:srgbClr val="222222"/>
-                  </a:solidFill>
-                </a:rPr>
-                <a:t> v1.04) A high-resolution hydrological model for global and regional assessment of integrated water resources management." (2019).</a:t>
-              </a:r>
-              <a:endParaRPr lang="en-GB" sz="580" dirty="0"/>
-            </a:p>
-            <a:p>
-              <a:r>
-                <a:rPr lang="en-GB" sz="580" baseline="30000" dirty="0"/>
-                <a:t>2</a:t>
-              </a:r>
-              <a:r>
-                <a:rPr lang="en-GB" sz="580" dirty="0"/>
-                <a:t>Langevin, Christian D., et al. Documentation for the MODFLOW 6 groundwater flow model. No. 6-A55. US Geological Survey, 2017.</a:t>
-              </a:r>
-            </a:p>
-            <a:p>
-              <a:r>
-                <a:rPr lang="en-GB" sz="580" baseline="30000" dirty="0"/>
-                <a:t>3</a:t>
-              </a:r>
-              <a:r>
-                <a:rPr lang="en-GB" sz="580" dirty="0"/>
-                <a:t>Tierolf, Lars, et al. "A coupled agent-based model for France for simulating adaptation and migration decisions under future coastal flood risk." Scientific Reports 13.1 (2023): 4176.</a:t>
-              </a:r>
-            </a:p>
-            <a:p>
-              <a:r>
-                <a:rPr lang="en-GB" sz="580" baseline="30000" dirty="0"/>
-                <a:t>4</a:t>
-              </a:r>
-              <a:r>
-                <a:rPr lang="en-GB" sz="580" dirty="0"/>
-                <a:t>Streefkerk, Ileen N., et al. "A coupled agent-based model to analyse human-drought feedbacks for </a:t>
-              </a:r>
-              <a:r>
-                <a:rPr lang="en-GB" sz="580" dirty="0" err="1"/>
-                <a:t>agropastoralists</a:t>
-              </a:r>
-              <a:r>
-                <a:rPr lang="en-GB" sz="580" dirty="0"/>
-                <a:t> in dryland regions." Frontiers in Water 4 (2023): 1037971.</a:t>
-              </a:r>
-            </a:p>
-            <a:p>
-              <a:r>
-                <a:rPr lang="en-GB" sz="580" baseline="30000" dirty="0"/>
-                <a:t>5</a:t>
-              </a:r>
-              <a:r>
-                <a:rPr lang="en-GB" sz="580" dirty="0"/>
-                <a:t>Joshi, Jaideep, et al. "Plant-FATE-Predicting the adaptive responses of biodiverse plant communities using functional-trait evolution." EGU General Assembly Conference Abstracts. 2022.</a:t>
-              </a:r>
-            </a:p>
-            <a:p>
-              <a:r>
-                <a:rPr lang="en-GB" sz="580" baseline="30000" dirty="0"/>
-                <a:t>6</a:t>
-              </a:r>
-              <a:r>
-                <a:rPr lang="en-GB" sz="580" dirty="0"/>
-                <a:t>Leijnse, Tim, et al. "</a:t>
-              </a:r>
-              <a:r>
-                <a:rPr lang="en-GB" sz="580" dirty="0" err="1"/>
-                <a:t>Modeling</a:t>
-              </a:r>
-              <a:r>
-                <a:rPr lang="en-GB" sz="580" dirty="0"/>
-                <a:t> compound flooding in coastal systems using a computationally efficient reduced-physics solver: Including fluvial, pluvial, tidal, wind-and wave-driven processes." Coastal Engineering 163 (2021): 103796.</a:t>
-              </a:r>
-            </a:p>
-          </p:txBody>
-        </p:sp>
       </p:grpSp>
     </p:spTree>
     <p:extLst>
